--- a/intro_to_eda_boston_housing.pptx
+++ b/intro_to_eda_boston_housing.pptx
@@ -261,18 +261,18 @@
   <pc:docChgLst>
     <pc:chgData name="arbi abeshi" userId="899bde1580bdd6a5" providerId="LiveId" clId="{7428925B-333F-418F-A53D-AEA4A35C392B}"/>
     <pc:docChg chg="undo modSld">
-      <pc:chgData name="arbi abeshi" userId="899bde1580bdd6a5" providerId="LiveId" clId="{7428925B-333F-418F-A53D-AEA4A35C392B}" dt="2019-04-18T00:02:32.087" v="13" actId="179"/>
+      <pc:chgData name="arbi abeshi" userId="899bde1580bdd6a5" providerId="LiveId" clId="{7428925B-333F-418F-A53D-AEA4A35C392B}" dt="2019-04-18T00:06:35.798" v="15" actId="20577"/>
       <pc:docMkLst>
         <pc:docMk/>
       </pc:docMkLst>
       <pc:sldChg chg="modSp">
-        <pc:chgData name="arbi abeshi" userId="899bde1580bdd6a5" providerId="LiveId" clId="{7428925B-333F-418F-A53D-AEA4A35C392B}" dt="2019-04-17T23:42:04.761" v="10" actId="179"/>
+        <pc:chgData name="arbi abeshi" userId="899bde1580bdd6a5" providerId="LiveId" clId="{7428925B-333F-418F-A53D-AEA4A35C392B}" dt="2019-04-18T00:06:32.001" v="14" actId="20577"/>
         <pc:sldMkLst>
           <pc:docMk/>
           <pc:sldMk cId="2483770295" sldId="258"/>
         </pc:sldMkLst>
         <pc:spChg chg="mod">
-          <ac:chgData name="arbi abeshi" userId="899bde1580bdd6a5" providerId="LiveId" clId="{7428925B-333F-418F-A53D-AEA4A35C392B}" dt="2019-04-17T23:42:04.761" v="10" actId="179"/>
+          <ac:chgData name="arbi abeshi" userId="899bde1580bdd6a5" providerId="LiveId" clId="{7428925B-333F-418F-A53D-AEA4A35C392B}" dt="2019-04-18T00:06:32.001" v="14" actId="20577"/>
           <ac:spMkLst>
             <pc:docMk/>
             <pc:sldMk cId="2483770295" sldId="258"/>
@@ -281,13 +281,13 @@
         </pc:spChg>
       </pc:sldChg>
       <pc:sldChg chg="modSp">
-        <pc:chgData name="arbi abeshi" userId="899bde1580bdd6a5" providerId="LiveId" clId="{7428925B-333F-418F-A53D-AEA4A35C392B}" dt="2019-04-18T00:02:32.087" v="13" actId="179"/>
+        <pc:chgData name="arbi abeshi" userId="899bde1580bdd6a5" providerId="LiveId" clId="{7428925B-333F-418F-A53D-AEA4A35C392B}" dt="2019-04-18T00:06:35.798" v="15" actId="20577"/>
         <pc:sldMkLst>
           <pc:docMk/>
           <pc:sldMk cId="2509307889" sldId="261"/>
         </pc:sldMkLst>
         <pc:spChg chg="mod">
-          <ac:chgData name="arbi abeshi" userId="899bde1580bdd6a5" providerId="LiveId" clId="{7428925B-333F-418F-A53D-AEA4A35C392B}" dt="2019-04-18T00:02:32.087" v="13" actId="179"/>
+          <ac:chgData name="arbi abeshi" userId="899bde1580bdd6a5" providerId="LiveId" clId="{7428925B-333F-418F-A53D-AEA4A35C392B}" dt="2019-04-18T00:06:35.798" v="15" actId="20577"/>
           <ac:spMkLst>
             <pc:docMk/>
             <pc:sldMk cId="2509307889" sldId="261"/>
@@ -3805,7 +3805,7 @@
             </a:pPr>
             <a:r>
               <a:rPr lang="en-US" dirty="0"/>
-              <a:t>Data Sources: 		SQL, NoSQL, APIs, Flat Files</a:t>
+              <a:t>Data Sources: 	SQL, NoSQL, APIs, Flat Files</a:t>
             </a:r>
           </a:p>
           <a:p>
@@ -3929,7 +3929,7 @@
             </a:pPr>
             <a:r>
               <a:rPr lang="en-US" sz="2400" dirty="0"/>
-              <a:t>Data Types:		Numerical, Text, Boolean, Categorical, Ordinal, NaN</a:t>
+              <a:t>Data Types:			Numerical, Text, Boolean, Categorical, Ordinal, NaN</a:t>
             </a:r>
           </a:p>
           <a:p>
